--- a/1. Power BI Adoption/1.3 Power BI Adoption - Key Roles.pptx
+++ b/1. Power BI Adoption/1.3 Power BI Adoption - Key Roles.pptx
@@ -144,7 +144,7 @@
 <file path=ppt/revisionInfo.xml><?xml version="1.0" encoding="utf-8"?>
 <p1510:revInfo xmlns:a="http://schemas.openxmlformats.org/drawingml/2006/main" xmlns:r="http://schemas.openxmlformats.org/officeDocument/2006/relationships" xmlns:p1510="http://schemas.microsoft.com/office/powerpoint/2015/10/main">
   <p1510:revLst>
-    <p1510:client id="{3AB3EB3C-ED13-498F-BC1F-1A35CEF9D11D}" v="174" dt="2019-10-21T14:56:38.728"/>
+    <p1510:client id="{3AB3EB3C-ED13-498F-BC1F-1A35CEF9D11D}" v="197" dt="2019-11-08T17:09:16.143"/>
   </p1510:revLst>
 </p1510:revInfo>
 </file>
@@ -231,7 +231,7 @@
           <a:p>
             <a:fld id="{A20ACBEE-26EB-47D1-A9F0-3869EF1078CC}" type="datetimeFigureOut">
               <a:rPr lang="en-US" smtClean="0"/>
-              <a:t>11/6/2019</a:t>
+              <a:t>11/8/2019</a:t>
             </a:fld>
             <a:endParaRPr lang="en-US" dirty="0"/>
           </a:p>
@@ -396,7 +396,7 @@
           <a:p>
             <a:fld id="{51F472B0-9DBF-4374-8A70-DE9093E7996C}" type="datetimeFigureOut">
               <a:rPr lang="en-US" smtClean="0"/>
-              <a:t>11/6/2019</a:t>
+              <a:t>11/8/2019</a:t>
             </a:fld>
             <a:endParaRPr lang="en-US" dirty="0"/>
           </a:p>
@@ -2396,7 +2396,7 @@
           </a:lstStyle>
           <a:p>
             <a:r>
-              <a:rPr lang="en-US"/>
+              <a:rPr lang="en-US" dirty="0"/>
               <a:t>Presentation title</a:t>
             </a:r>
           </a:p>
@@ -2528,7 +2528,13 @@
       </p:sp>
       <p:pic>
         <p:nvPicPr>
-          <p:cNvPr id="7" name="Picture 6"/>
+          <p:cNvPr id="5" name="Picture 4" descr="A picture containing plate&#10;&#10;Description automatically generated">
+            <a:extLst>
+              <a:ext uri="{FF2B5EF4-FFF2-40B4-BE49-F238E27FC236}">
+                <a16:creationId xmlns:a16="http://schemas.microsoft.com/office/drawing/2014/main" id="{07052D4C-B581-4BB9-B018-223213D9CEF0}"/>
+              </a:ext>
+            </a:extLst>
+          </p:cNvPr>
           <p:cNvPicPr>
             <a:picLocks noChangeAspect="1"/>
           </p:cNvPicPr>
@@ -2537,6 +2543,15 @@
         <p:blipFill>
           <a:blip r:embed="rId2">
             <a:extLst>
+              <a:ext uri="{BEBA8EAE-BF5A-486C-A8C5-ECC9F3942E4B}">
+                <a14:imgProps xmlns:a14="http://schemas.microsoft.com/office/drawing/2010/main">
+                  <a14:imgLayer r:embed="rId3">
+                    <a14:imgEffect>
+                      <a14:backgroundRemoval t="10000" b="90000" l="10000" r="90000"/>
+                    </a14:imgEffect>
+                  </a14:imgLayer>
+                </a14:imgProps>
+              </a:ext>
               <a:ext uri="{28A0092B-C50C-407E-A947-70E740481C1C}">
                 <a14:useLocalDpi xmlns:a14="http://schemas.microsoft.com/office/drawing/2010/main" val="0"/>
               </a:ext>
@@ -2548,8 +2563,8 @@
         </p:blipFill>
         <p:spPr>
           <a:xfrm>
-            <a:off x="213939" y="199344"/>
-            <a:ext cx="1527557" cy="556031"/>
+            <a:off x="10842339" y="5659526"/>
+            <a:ext cx="1157963" cy="1157963"/>
           </a:xfrm>
           <a:prstGeom prst="rect">
             <a:avLst/>
@@ -2663,7 +2678,13 @@
       </p:graphicFrame>
       <p:pic>
         <p:nvPicPr>
-          <p:cNvPr id="6" name="Picture 5"/>
+          <p:cNvPr id="4" name="Picture 3" descr="A picture containing plate&#10;&#10;Description automatically generated">
+            <a:extLst>
+              <a:ext uri="{FF2B5EF4-FFF2-40B4-BE49-F238E27FC236}">
+                <a16:creationId xmlns:a16="http://schemas.microsoft.com/office/drawing/2014/main" id="{20CB250C-FE8D-4D2D-AB30-6C32909507D9}"/>
+              </a:ext>
+            </a:extLst>
+          </p:cNvPr>
           <p:cNvPicPr>
             <a:picLocks noChangeAspect="1"/>
           </p:cNvPicPr>
@@ -2672,6 +2693,15 @@
         <p:blipFill>
           <a:blip r:embed="rId6">
             <a:extLst>
+              <a:ext uri="{BEBA8EAE-BF5A-486C-A8C5-ECC9F3942E4B}">
+                <a14:imgProps xmlns:a14="http://schemas.microsoft.com/office/drawing/2010/main">
+                  <a14:imgLayer r:embed="rId7">
+                    <a14:imgEffect>
+                      <a14:backgroundRemoval t="10000" b="90000" l="10000" r="90000"/>
+                    </a14:imgEffect>
+                  </a14:imgLayer>
+                </a14:imgProps>
+              </a:ext>
               <a:ext uri="{28A0092B-C50C-407E-A947-70E740481C1C}">
                 <a14:useLocalDpi xmlns:a14="http://schemas.microsoft.com/office/drawing/2010/main" val="0"/>
               </a:ext>
@@ -2683,14 +2713,57 @@
         </p:blipFill>
         <p:spPr>
           <a:xfrm>
-            <a:off x="505486" y="2863031"/>
-            <a:ext cx="3056653" cy="1112622"/>
+            <a:off x="10842339" y="5659526"/>
+            <a:ext cx="1157963" cy="1157963"/>
           </a:xfrm>
           <a:prstGeom prst="rect">
             <a:avLst/>
           </a:prstGeom>
         </p:spPr>
       </p:pic>
+      <p:sp>
+        <p:nvSpPr>
+          <p:cNvPr id="5" name="Title 1">
+            <a:extLst>
+              <a:ext uri="{FF2B5EF4-FFF2-40B4-BE49-F238E27FC236}">
+                <a16:creationId xmlns:a16="http://schemas.microsoft.com/office/drawing/2014/main" id="{EACFE3B1-C582-4B03-80BA-18E1CBF946EE}"/>
+              </a:ext>
+            </a:extLst>
+          </p:cNvPr>
+          <p:cNvSpPr>
+            <a:spLocks noGrp="1"/>
+          </p:cNvSpPr>
+          <p:nvPr>
+            <p:ph type="ctrTitle" hasCustomPrompt="1"/>
+          </p:nvPr>
+        </p:nvSpPr>
+        <p:spPr>
+          <a:xfrm>
+            <a:off x="1488558" y="1776549"/>
+            <a:ext cx="9788342" cy="2721023"/>
+          </a:xfrm>
+        </p:spPr>
+        <p:txBody>
+          <a:bodyPr/>
+          <a:lstStyle>
+            <a:lvl1pPr>
+              <a:defRPr sz="6000">
+                <a:solidFill>
+                  <a:schemeClr val="tx1"/>
+                </a:solidFill>
+                <a:latin typeface="Segoe UI Semibold" panose="020B0702040204020203" pitchFamily="34" charset="0"/>
+                <a:cs typeface="Segoe UI Semibold" panose="020B0702040204020203" pitchFamily="34" charset="0"/>
+              </a:defRPr>
+            </a:lvl1pPr>
+          </a:lstStyle>
+          <a:p>
+            <a:r>
+              <a:rPr lang="en-US" dirty="0"/>
+              <a:t>Thank you</a:t>
+            </a:r>
+          </a:p>
+        </p:txBody>
+      </p:sp>
     </p:spTree>
     <p:extLst>
       <p:ext uri="{BB962C8B-B14F-4D97-AF65-F5344CB8AC3E}">
@@ -3135,36 +3208,6 @@
           </a:p>
         </p:txBody>
       </p:sp>
-      <p:pic>
-        <p:nvPicPr>
-          <p:cNvPr id="10" name="Picture 9"/>
-          <p:cNvPicPr>
-            <a:picLocks noChangeAspect="1"/>
-          </p:cNvPicPr>
-          <p:nvPr userDrawn="1"/>
-        </p:nvPicPr>
-        <p:blipFill>
-          <a:blip r:embed="rId2">
-            <a:extLst>
-              <a:ext uri="{28A0092B-C50C-407E-A947-70E740481C1C}">
-                <a14:useLocalDpi xmlns:a14="http://schemas.microsoft.com/office/drawing/2010/main" val="0"/>
-              </a:ext>
-            </a:extLst>
-          </a:blip>
-          <a:stretch>
-            <a:fillRect/>
-          </a:stretch>
-        </p:blipFill>
-        <p:spPr>
-          <a:xfrm>
-            <a:off x="213939" y="199344"/>
-            <a:ext cx="1527557" cy="556031"/>
-          </a:xfrm>
-          <a:prstGeom prst="rect">
-            <a:avLst/>
-          </a:prstGeom>
-        </p:spPr>
-      </p:pic>
     </p:spTree>
     <p:extLst>
       <p:ext uri="{BB962C8B-B14F-4D97-AF65-F5344CB8AC3E}">
@@ -5712,13 +5755,13 @@
   <p:clrMapOvr>
     <a:masterClrMapping/>
   </p:clrMapOvr>
-  <mc:AlternateContent xmlns:mc="http://schemas.openxmlformats.org/markup-compatibility/2006" xmlns:p14="http://schemas.microsoft.com/office/powerpoint/2010/main">
-    <mc:Choice Requires="p14">
+  <mc:AlternateContent xmlns:mc="http://schemas.openxmlformats.org/markup-compatibility/2006">
+    <mc:Choice xmlns:p14="http://schemas.microsoft.com/office/powerpoint/2010/main" Requires="p14">
       <p:transition spd="med" p14:dur="700" advTm="25260">
         <p:fade/>
       </p:transition>
     </mc:Choice>
-    <mc:Fallback xmlns="">
+    <mc:Fallback>
       <p:transition spd="med" advTm="25260">
         <p:fade/>
       </p:transition>
@@ -5766,18 +5809,10 @@
           <a:lstStyle/>
           <a:p>
             <a:r>
-              <a:rPr lang="en-GB" dirty="0">
-                <a:solidFill>
-                  <a:schemeClr val="bg1"/>
-                </a:solidFill>
-              </a:rPr>
+              <a:rPr lang="en-GB" dirty="0"/>
               <a:t>Who is fulfilling the following roles?</a:t>
             </a:r>
-            <a:endParaRPr lang="en-US" dirty="0">
-              <a:solidFill>
-                <a:schemeClr val="bg1"/>
-              </a:solidFill>
-            </a:endParaRPr>
+            <a:endParaRPr lang="en-US" dirty="0"/>
           </a:p>
         </p:txBody>
       </p:sp>
@@ -5909,6 +5944,31 @@
           <a:chExt cx="0" cy="0"/>
         </a:xfrm>
       </p:grpSpPr>
+      <p:sp>
+        <p:nvSpPr>
+          <p:cNvPr id="2" name="Title 1">
+            <a:extLst>
+              <a:ext uri="{FF2B5EF4-FFF2-40B4-BE49-F238E27FC236}">
+                <a16:creationId xmlns:a16="http://schemas.microsoft.com/office/drawing/2014/main" id="{56324143-12C8-4212-B087-45D1B111926D}"/>
+              </a:ext>
+            </a:extLst>
+          </p:cNvPr>
+          <p:cNvSpPr>
+            <a:spLocks noGrp="1"/>
+          </p:cNvSpPr>
+          <p:nvPr>
+            <p:ph type="ctrTitle"/>
+          </p:nvPr>
+        </p:nvSpPr>
+        <p:spPr/>
+        <p:txBody>
+          <a:bodyPr/>
+          <a:lstStyle/>
+          <a:p>
+            <a:endParaRPr lang="en-GB"/>
+          </a:p>
+        </p:txBody>
+      </p:sp>
     </p:spTree>
     <p:extLst>
       <p:ext uri="{BB962C8B-B14F-4D97-AF65-F5344CB8AC3E}">
@@ -5919,13 +5979,13 @@
   <p:clrMapOvr>
     <a:masterClrMapping/>
   </p:clrMapOvr>
-  <mc:AlternateContent xmlns:mc="http://schemas.openxmlformats.org/markup-compatibility/2006" xmlns:p14="http://schemas.microsoft.com/office/powerpoint/2010/main">
-    <mc:Choice Requires="p14">
+  <mc:AlternateContent xmlns:mc="http://schemas.openxmlformats.org/markup-compatibility/2006">
+    <mc:Choice xmlns:p14="http://schemas.microsoft.com/office/powerpoint/2010/main" Requires="p14">
       <p:transition spd="med" p14:dur="700">
         <p:fade/>
       </p:transition>
     </mc:Choice>
-    <mc:Fallback xmlns="">
+    <mc:Fallback>
       <p:transition spd="med">
         <p:fade/>
       </p:transition>
@@ -6768,13 +6828,13 @@
   <p:clrMapOvr>
     <a:masterClrMapping/>
   </p:clrMapOvr>
-  <mc:AlternateContent xmlns:mc="http://schemas.openxmlformats.org/markup-compatibility/2006" xmlns:p14="http://schemas.microsoft.com/office/powerpoint/2010/main">
-    <mc:Choice Requires="p14">
+  <mc:AlternateContent xmlns:mc="http://schemas.openxmlformats.org/markup-compatibility/2006">
+    <mc:Choice xmlns:p14="http://schemas.microsoft.com/office/powerpoint/2010/main" Requires="p14">
       <p:transition spd="med" p14:dur="700" advTm="85476">
         <p:fade/>
       </p:transition>
     </mc:Choice>
-    <mc:Fallback xmlns="">
+    <mc:Fallback>
       <p:transition spd="med" advTm="85476">
         <p:fade/>
       </p:transition>
@@ -7581,13 +7641,13 @@
   <p:clrMapOvr>
     <a:masterClrMapping/>
   </p:clrMapOvr>
-  <mc:AlternateContent xmlns:mc="http://schemas.openxmlformats.org/markup-compatibility/2006" xmlns:p14="http://schemas.microsoft.com/office/powerpoint/2010/main">
-    <mc:Choice Requires="p14">
+  <mc:AlternateContent xmlns:mc="http://schemas.openxmlformats.org/markup-compatibility/2006">
+    <mc:Choice xmlns:p14="http://schemas.microsoft.com/office/powerpoint/2010/main" Requires="p14">
       <p:transition spd="med" p14:dur="700" advTm="55132">
         <p:fade/>
       </p:transition>
     </mc:Choice>
-    <mc:Fallback xmlns="">
+    <mc:Fallback>
       <p:transition spd="med" advTm="55132">
         <p:fade/>
       </p:transition>
@@ -8466,13 +8526,13 @@
   <p:clrMapOvr>
     <a:masterClrMapping/>
   </p:clrMapOvr>
-  <mc:AlternateContent xmlns:mc="http://schemas.openxmlformats.org/markup-compatibility/2006" xmlns:p14="http://schemas.microsoft.com/office/powerpoint/2010/main">
-    <mc:Choice Requires="p14">
+  <mc:AlternateContent xmlns:mc="http://schemas.openxmlformats.org/markup-compatibility/2006">
+    <mc:Choice xmlns:p14="http://schemas.microsoft.com/office/powerpoint/2010/main" Requires="p14">
       <p:transition spd="med" p14:dur="700" advTm="95124">
         <p:fade/>
       </p:transition>
     </mc:Choice>
-    <mc:Fallback xmlns="">
+    <mc:Fallback>
       <p:transition spd="med" advTm="95124">
         <p:fade/>
       </p:transition>
@@ -9279,13 +9339,13 @@
   <p:clrMapOvr>
     <a:masterClrMapping/>
   </p:clrMapOvr>
-  <mc:AlternateContent xmlns:mc="http://schemas.openxmlformats.org/markup-compatibility/2006" xmlns:p14="http://schemas.microsoft.com/office/powerpoint/2010/main">
-    <mc:Choice Requires="p14">
+  <mc:AlternateContent xmlns:mc="http://schemas.openxmlformats.org/markup-compatibility/2006">
+    <mc:Choice xmlns:p14="http://schemas.microsoft.com/office/powerpoint/2010/main" Requires="p14">
       <p:transition spd="med" p14:dur="700" advTm="33395">
         <p:fade/>
       </p:transition>
     </mc:Choice>
-    <mc:Fallback xmlns="">
+    <mc:Fallback>
       <p:transition spd="med" advTm="33395">
         <p:fade/>
       </p:transition>
@@ -10227,13 +10287,13 @@
   <p:clrMapOvr>
     <a:masterClrMapping/>
   </p:clrMapOvr>
-  <mc:AlternateContent xmlns:mc="http://schemas.openxmlformats.org/markup-compatibility/2006" xmlns:p14="http://schemas.microsoft.com/office/powerpoint/2010/main">
-    <mc:Choice Requires="p14">
+  <mc:AlternateContent xmlns:mc="http://schemas.openxmlformats.org/markup-compatibility/2006">
+    <mc:Choice xmlns:p14="http://schemas.microsoft.com/office/powerpoint/2010/main" Requires="p14">
       <p:transition spd="med" p14:dur="700" advTm="86480">
         <p:fade/>
       </p:transition>
     </mc:Choice>
-    <mc:Fallback xmlns="">
+    <mc:Fallback>
       <p:transition spd="med" advTm="86480">
         <p:fade/>
       </p:transition>
@@ -11112,13 +11172,13 @@
   <p:clrMapOvr>
     <a:masterClrMapping/>
   </p:clrMapOvr>
-  <mc:AlternateContent xmlns:mc="http://schemas.openxmlformats.org/markup-compatibility/2006" xmlns:p14="http://schemas.microsoft.com/office/powerpoint/2010/main">
-    <mc:Choice Requires="p14">
+  <mc:AlternateContent xmlns:mc="http://schemas.openxmlformats.org/markup-compatibility/2006">
+    <mc:Choice xmlns:p14="http://schemas.microsoft.com/office/powerpoint/2010/main" Requires="p14">
       <p:transition spd="med" p14:dur="700" advTm="21601">
         <p:fade/>
       </p:transition>
     </mc:Choice>
-    <mc:Fallback xmlns="">
+    <mc:Fallback>
       <p:transition spd="med" advTm="21601">
         <p:fade/>
       </p:transition>
@@ -12033,13 +12093,13 @@
   <p:clrMapOvr>
     <a:masterClrMapping/>
   </p:clrMapOvr>
-  <mc:AlternateContent xmlns:mc="http://schemas.openxmlformats.org/markup-compatibility/2006" xmlns:p14="http://schemas.microsoft.com/office/powerpoint/2010/main">
-    <mc:Choice Requires="p14">
+  <mc:AlternateContent xmlns:mc="http://schemas.openxmlformats.org/markup-compatibility/2006">
+    <mc:Choice xmlns:p14="http://schemas.microsoft.com/office/powerpoint/2010/main" Requires="p14">
       <p:transition spd="med" p14:dur="700" advTm="50205">
         <p:fade/>
       </p:transition>
     </mc:Choice>
-    <mc:Fallback xmlns="">
+    <mc:Fallback>
       <p:transition spd="med" advTm="50205">
         <p:fade/>
       </p:transition>
@@ -12954,13 +13014,13 @@
   <p:clrMapOvr>
     <a:masterClrMapping/>
   </p:clrMapOvr>
-  <mc:AlternateContent xmlns:mc="http://schemas.openxmlformats.org/markup-compatibility/2006" xmlns:p14="http://schemas.microsoft.com/office/powerpoint/2010/main">
-    <mc:Choice Requires="p14">
+  <mc:AlternateContent xmlns:mc="http://schemas.openxmlformats.org/markup-compatibility/2006">
+    <mc:Choice xmlns:p14="http://schemas.microsoft.com/office/powerpoint/2010/main" Requires="p14">
       <p:transition spd="med" p14:dur="700" advTm="34856">
         <p:fade/>
       </p:transition>
     </mc:Choice>
-    <mc:Fallback xmlns="">
+    <mc:Fallback>
       <p:transition spd="med" advTm="34856">
         <p:fade/>
       </p:transition>
@@ -13872,8 +13932,14 @@
 </file>
 
 <file path=customXml/item1.xml><?xml version="1.0" encoding="utf-8"?>
-<ct:contentTypeSchema xmlns:ct="http://schemas.microsoft.com/office/2006/metadata/contentType" xmlns:ma="http://schemas.microsoft.com/office/2006/metadata/properties/metaAttributes" ct:_="" ma:_="" ma:contentTypeName="Document" ma:contentTypeID="0x0101004637B333D9039F42B4A841E7D21AD3E7" ma:contentTypeVersion="5" ma:contentTypeDescription="Create a new document." ma:contentTypeScope="" ma:versionID="1f59f1658d780e0b4c7f1ae8a5e1509b">
-  <xsd:schema xmlns:xsd="http://www.w3.org/2001/XMLSchema" xmlns:xs="http://www.w3.org/2001/XMLSchema" xmlns:p="http://schemas.microsoft.com/office/2006/metadata/properties" xmlns:ns2="3520180a-3b72-4868-9ddb-261d82f11a91" targetNamespace="http://schemas.microsoft.com/office/2006/metadata/properties" ma:root="true" ma:fieldsID="e8c07af3b0c20b254d99977dc4d26b0c" ns2:_="">
+<p:properties xmlns:p="http://schemas.microsoft.com/office/2006/metadata/properties" xmlns:xsi="http://www.w3.org/2001/XMLSchema-instance" xmlns:pc="http://schemas.microsoft.com/office/infopath/2007/PartnerControls">
+  <documentManagement/>
+</p:properties>
+</file>
+
+<file path=customXml/item2.xml><?xml version="1.0" encoding="utf-8"?>
+<ct:contentTypeSchema xmlns:ct="http://schemas.microsoft.com/office/2006/metadata/contentType" xmlns:ma="http://schemas.microsoft.com/office/2006/metadata/properties/metaAttributes" ct:_="" ma:_="" ma:contentTypeName="Document" ma:contentTypeID="0x0101004637B333D9039F42B4A841E7D21AD3E7" ma:contentTypeVersion="7" ma:contentTypeDescription="Create a new document." ma:contentTypeScope="" ma:versionID="385892ca22301f732aa61e9e24b0427a">
+  <xsd:schema xmlns:xsd="http://www.w3.org/2001/XMLSchema" xmlns:xs="http://www.w3.org/2001/XMLSchema" xmlns:p="http://schemas.microsoft.com/office/2006/metadata/properties" xmlns:ns2="3520180a-3b72-4868-9ddb-261d82f11a91" targetNamespace="http://schemas.microsoft.com/office/2006/metadata/properties" ma:root="true" ma:fieldsID="524886d73bd9f25fcf95cbf5af8c08e0" ns2:_="">
     <xsd:import namespace="3520180a-3b72-4868-9ddb-261d82f11a91"/>
     <xsd:element name="properties">
       <xsd:complexType>
@@ -13886,6 +13952,8 @@
                 <xsd:element ref="ns2:MediaServiceDateTaken" minOccurs="0"/>
                 <xsd:element ref="ns2:MediaServiceAutoKeyPoints" minOccurs="0"/>
                 <xsd:element ref="ns2:MediaServiceKeyPoints" minOccurs="0"/>
+                <xsd:element ref="ns2:MediaServiceAutoTags" minOccurs="0"/>
+                <xsd:element ref="ns2:MediaServiceOCR" minOccurs="0"/>
               </xsd:all>
             </xsd:complexType>
           </xsd:element>
@@ -13917,6 +13985,18 @@
       </xsd:simpleType>
     </xsd:element>
     <xsd:element name="MediaServiceKeyPoints" ma:index="12" nillable="true" ma:displayName="KeyPoints" ma:internalName="MediaServiceKeyPoints" ma:readOnly="true">
+      <xsd:simpleType>
+        <xsd:restriction base="dms:Note">
+          <xsd:maxLength value="255"/>
+        </xsd:restriction>
+      </xsd:simpleType>
+    </xsd:element>
+    <xsd:element name="MediaServiceAutoTags" ma:index="13" nillable="true" ma:displayName="Tags" ma:internalName="MediaServiceAutoTags" ma:readOnly="true">
+      <xsd:simpleType>
+        <xsd:restriction base="dms:Text"/>
+      </xsd:simpleType>
+    </xsd:element>
+    <xsd:element name="MediaServiceOCR" ma:index="14" nillable="true" ma:displayName="Extracted Text" ma:internalName="MediaServiceOCR" ma:readOnly="true">
       <xsd:simpleType>
         <xsd:restriction base="dms:Note">
           <xsd:maxLength value="255"/>
@@ -14023,12 +14103,6 @@
 </ct:contentTypeSchema>
 </file>
 
-<file path=customXml/item2.xml><?xml version="1.0" encoding="utf-8"?>
-<p:properties xmlns:p="http://schemas.microsoft.com/office/2006/metadata/properties" xmlns:xsi="http://www.w3.org/2001/XMLSchema-instance" xmlns:pc="http://schemas.microsoft.com/office/infopath/2007/PartnerControls">
-  <documentManagement/>
-</p:properties>
-</file>
-
 <file path=customXml/item3.xml><?xml version="1.0" encoding="utf-8"?>
 <?mso-contentType ?>
 <FormTemplates xmlns="http://schemas.microsoft.com/sharepoint/v3/contenttype/forms">
@@ -14039,7 +14113,16 @@
 </file>
 
 <file path=customXml/itemProps1.xml><?xml version="1.0" encoding="utf-8"?>
-<ds:datastoreItem xmlns:ds="http://schemas.openxmlformats.org/officeDocument/2006/customXml" ds:itemID="{B6062497-C66E-46BC-A236-4CCA7DA7329B}">
+<ds:datastoreItem xmlns:ds="http://schemas.openxmlformats.org/officeDocument/2006/customXml" ds:itemID="{5148A5D7-FD0D-4497-ADB2-773C6533B2F9}">
+  <ds:schemaRefs>
+    <ds:schemaRef ds:uri="http://schemas.microsoft.com/office/2006/metadata/properties"/>
+    <ds:schemaRef ds:uri="http://schemas.microsoft.com/office/infopath/2007/PartnerControls"/>
+  </ds:schemaRefs>
+</ds:datastoreItem>
+</file>
+
+<file path=customXml/itemProps2.xml><?xml version="1.0" encoding="utf-8"?>
+<ds:datastoreItem xmlns:ds="http://schemas.openxmlformats.org/officeDocument/2006/customXml" ds:itemID="{91F45284-1F30-437D-B007-7A1B1299C5C1}">
   <ds:schemaRefs>
     <ds:schemaRef ds:uri="http://schemas.microsoft.com/office/2006/metadata/contentType"/>
     <ds:schemaRef ds:uri="http://schemas.microsoft.com/office/2006/metadata/properties/metaAttributes"/>
@@ -14056,15 +14139,6 @@
 </ds:datastoreItem>
 </file>
 
-<file path=customXml/itemProps2.xml><?xml version="1.0" encoding="utf-8"?>
-<ds:datastoreItem xmlns:ds="http://schemas.openxmlformats.org/officeDocument/2006/customXml" ds:itemID="{5148A5D7-FD0D-4497-ADB2-773C6533B2F9}">
-  <ds:schemaRefs>
-    <ds:schemaRef ds:uri="http://schemas.microsoft.com/office/2006/metadata/properties"/>
-    <ds:schemaRef ds:uri="http://schemas.microsoft.com/office/infopath/2007/PartnerControls"/>
-  </ds:schemaRefs>
-</ds:datastoreItem>
-</file>
-
 <file path=customXml/itemProps3.xml><?xml version="1.0" encoding="utf-8"?>
 <ds:datastoreItem xmlns:ds="http://schemas.openxmlformats.org/officeDocument/2006/customXml" ds:itemID="{DE526520-222D-4E7B-A419-9D8181B2C454}">
   <ds:schemaRefs>
